--- a/mvc/slides/12_Mobile.pptx
+++ b/mvc/slides/12_Mobile.pptx
@@ -2840,13 +2840,7 @@
               <a:rPr lang="en-US" sz="2400" dirty="0" smtClean="0">
                 <a:latin typeface="Myriad Pro Light"/>
               </a:rPr>
-              <a:t>Scott </a:t>
-            </a:r>
-            <a:r>
-              <a:rPr lang="en-US" sz="2400" dirty="0" smtClean="0">
-                <a:latin typeface="Myriad Pro Light"/>
-              </a:rPr>
-              <a:t>Allen</a:t>
+              <a:t>Scott Allen</a:t>
             </a:r>
             <a:br>
               <a:rPr lang="en-US" sz="2400" dirty="0" smtClean="0">
@@ -6159,7 +6153,15 @@
           <a:p>
             <a:r>
               <a:rPr lang="en-US" dirty="0" smtClean="0"/>
-              <a:t>Questions? scott@OdeToCode.com</a:t>
+              <a:t>Questions? </a:t>
+            </a:r>
+            <a:endParaRPr lang="en-US" dirty="0" smtClean="0"/>
+          </a:p>
+          <a:p>
+            <a:pPr lvl="1"/>
+            <a:r>
+              <a:rPr lang="en-US" dirty="0" smtClean="0"/>
+              <a:t>scott@OdeToCode.com</a:t>
             </a:r>
             <a:endParaRPr lang="en-US" dirty="0"/>
           </a:p>
